--- a/sublux/powerpoint_2.pptx
+++ b/sublux/powerpoint_2.pptx
@@ -6537,7 +6537,7 @@
           <a:p>
             <a:r>
               <a:rPr lang="en-US" dirty="0"/>
-              <a:t>An Android Application</a:t>
+              <a:t>Android Application</a:t>
             </a:r>
           </a:p>
           <a:p>
@@ -6549,7 +6549,7 @@
           <a:p>
             <a:r>
               <a:rPr lang="en-US" dirty="0"/>
-              <a:t>Analyzes photos pixel by pixel to determine posture.</a:t>
+              <a:t>Analyzes Posture</a:t>
             </a:r>
           </a:p>
         </p:txBody>
